--- a/docs/diagrams/ModelComponentClassDiagram.pptx
+++ b/docs/diagrams/ModelComponentClassDiagram.pptx
@@ -208,7 +208,7 @@
           <a:p>
             <a:fld id="{F5CC4B3F-88C1-4FFA-B1B6-F41C21DC6924}" type="datetimeFigureOut">
               <a:rPr lang="en-US" smtClean="0"/>
-              <a:t>3/16/17</a:t>
+              <a:t>3/22/17</a:t>
             </a:fld>
             <a:endParaRPr lang="en-US"/>
           </a:p>
@@ -654,7 +654,7 @@
           <a:p>
             <a:fld id="{78C97017-6FC3-485B-9764-EAC9E56C1D49}" type="datetimeFigureOut">
               <a:rPr lang="en-US" smtClean="0"/>
-              <a:t>3/16/17</a:t>
+              <a:t>3/22/17</a:t>
             </a:fld>
             <a:endParaRPr lang="en-US"/>
           </a:p>
@@ -822,7 +822,7 @@
           <a:p>
             <a:fld id="{78C97017-6FC3-485B-9764-EAC9E56C1D49}" type="datetimeFigureOut">
               <a:rPr lang="en-US" smtClean="0"/>
-              <a:t>3/16/17</a:t>
+              <a:t>3/22/17</a:t>
             </a:fld>
             <a:endParaRPr lang="en-US"/>
           </a:p>
@@ -1000,7 +1000,7 @@
           <a:p>
             <a:fld id="{78C97017-6FC3-485B-9764-EAC9E56C1D49}" type="datetimeFigureOut">
               <a:rPr lang="en-US" smtClean="0"/>
-              <a:t>3/16/17</a:t>
+              <a:t>3/22/17</a:t>
             </a:fld>
             <a:endParaRPr lang="en-US"/>
           </a:p>
@@ -1168,7 +1168,7 @@
           <a:p>
             <a:fld id="{78C97017-6FC3-485B-9764-EAC9E56C1D49}" type="datetimeFigureOut">
               <a:rPr lang="en-US" smtClean="0"/>
-              <a:t>3/16/17</a:t>
+              <a:t>3/22/17</a:t>
             </a:fld>
             <a:endParaRPr lang="en-US"/>
           </a:p>
@@ -1413,7 +1413,7 @@
           <a:p>
             <a:fld id="{78C97017-6FC3-485B-9764-EAC9E56C1D49}" type="datetimeFigureOut">
               <a:rPr lang="en-US" smtClean="0"/>
-              <a:t>3/16/17</a:t>
+              <a:t>3/22/17</a:t>
             </a:fld>
             <a:endParaRPr lang="en-US"/>
           </a:p>
@@ -1698,7 +1698,7 @@
           <a:p>
             <a:fld id="{78C97017-6FC3-485B-9764-EAC9E56C1D49}" type="datetimeFigureOut">
               <a:rPr lang="en-US" smtClean="0"/>
-              <a:t>3/16/17</a:t>
+              <a:t>3/22/17</a:t>
             </a:fld>
             <a:endParaRPr lang="en-US"/>
           </a:p>
@@ -2117,7 +2117,7 @@
           <a:p>
             <a:fld id="{78C97017-6FC3-485B-9764-EAC9E56C1D49}" type="datetimeFigureOut">
               <a:rPr lang="en-US" smtClean="0"/>
-              <a:t>3/16/17</a:t>
+              <a:t>3/22/17</a:t>
             </a:fld>
             <a:endParaRPr lang="en-US"/>
           </a:p>
@@ -2234,7 +2234,7 @@
           <a:p>
             <a:fld id="{78C97017-6FC3-485B-9764-EAC9E56C1D49}" type="datetimeFigureOut">
               <a:rPr lang="en-US" smtClean="0"/>
-              <a:t>3/16/17</a:t>
+              <a:t>3/22/17</a:t>
             </a:fld>
             <a:endParaRPr lang="en-US"/>
           </a:p>
@@ -2329,7 +2329,7 @@
           <a:p>
             <a:fld id="{78C97017-6FC3-485B-9764-EAC9E56C1D49}" type="datetimeFigureOut">
               <a:rPr lang="en-US" smtClean="0"/>
-              <a:t>3/16/17</a:t>
+              <a:t>3/22/17</a:t>
             </a:fld>
             <a:endParaRPr lang="en-US"/>
           </a:p>
@@ -2604,7 +2604,7 @@
           <a:p>
             <a:fld id="{78C97017-6FC3-485B-9764-EAC9E56C1D49}" type="datetimeFigureOut">
               <a:rPr lang="en-US" smtClean="0"/>
-              <a:t>3/16/17</a:t>
+              <a:t>3/22/17</a:t>
             </a:fld>
             <a:endParaRPr lang="en-US"/>
           </a:p>
@@ -2856,7 +2856,7 @@
           <a:p>
             <a:fld id="{78C97017-6FC3-485B-9764-EAC9E56C1D49}" type="datetimeFigureOut">
               <a:rPr lang="en-US" smtClean="0"/>
-              <a:t>3/16/17</a:t>
+              <a:t>3/22/17</a:t>
             </a:fld>
             <a:endParaRPr lang="en-US"/>
           </a:p>
@@ -3072,7 +3072,7 @@
           <a:p>
             <a:fld id="{78C97017-6FC3-485B-9764-EAC9E56C1D49}" type="datetimeFigureOut">
               <a:rPr lang="en-US" smtClean="0"/>
-              <a:t>3/16/17</a:t>
+              <a:t>3/22/17</a:t>
             </a:fld>
             <a:endParaRPr lang="en-US"/>
           </a:p>
@@ -5932,68 +5932,12 @@
           <a:p>
             <a:pPr algn="ctr"/>
             <a:r>
-              <a:rPr lang="en-US" sz="1050" dirty="0" err="1" smtClean="0">
-                <a:solidFill>
-                  <a:srgbClr val="7030A0"/>
-                </a:solidFill>
-              </a:rPr>
-              <a:t>EndTime</a:t>
-            </a:r>
-            <a:endParaRPr lang="en-SG" sz="1050" dirty="0">
-              <a:solidFill>
-                <a:srgbClr val="7030A0"/>
-              </a:solidFill>
-            </a:endParaRPr>
-          </a:p>
-        </p:txBody>
-      </p:sp>
-      <p:sp>
-        <p:nvSpPr>
-          <p:cNvPr id="73" name="Rectangle 8"/>
-          <p:cNvSpPr/>
-          <p:nvPr/>
-        </p:nvSpPr>
-        <p:spPr>
-          <a:xfrm>
-            <a:off x="7718469" y="3868558"/>
-            <a:ext cx="708186" cy="285783"/>
-          </a:xfrm>
-          <a:prstGeom prst="rect">
-            <a:avLst/>
-          </a:prstGeom>
-          <a:ln w="19050">
-            <a:solidFill>
-              <a:srgbClr val="7030A0"/>
-            </a:solidFill>
-          </a:ln>
-          <a:effectLst/>
-        </p:spPr>
-        <p:style>
-          <a:lnRef idx="1">
-            <a:schemeClr val="accent4"/>
-          </a:lnRef>
-          <a:fillRef idx="2">
-            <a:schemeClr val="accent4"/>
-          </a:fillRef>
-          <a:effectRef idx="1">
-            <a:schemeClr val="accent4"/>
-          </a:effectRef>
-          <a:fontRef idx="minor">
-            <a:schemeClr val="dk1"/>
-          </a:fontRef>
-        </p:style>
-        <p:txBody>
-          <a:bodyPr rtlCol="0" anchor="ctr"/>
-          <a:lstStyle/>
-          <a:p>
-            <a:pPr algn="ctr"/>
-            <a:r>
               <a:rPr lang="en-US" sz="1000" dirty="0" err="1" smtClean="0">
                 <a:solidFill>
                   <a:srgbClr val="7030A0"/>
                 </a:solidFill>
               </a:rPr>
-              <a:t>StartTime</a:t>
+              <a:t>DateTime</a:t>
             </a:r>
             <a:endParaRPr lang="en-SG" sz="1000" dirty="0">
               <a:solidFill>
@@ -6044,49 +5988,45 @@
           </a:fontRef>
         </p:style>
       </p:cxnSp>
-      <p:cxnSp>
-        <p:nvCxnSpPr>
-          <p:cNvPr id="82" name="Elbow Connector 81"/>
-          <p:cNvCxnSpPr>
-            <a:stCxn id="78" idx="3"/>
-            <a:endCxn id="73" idx="1"/>
-          </p:cNvCxnSpPr>
+      <p:sp>
+        <p:nvSpPr>
+          <p:cNvPr id="77" name="TextBox 76"/>
+          <p:cNvSpPr txBox="1"/>
           <p:nvPr/>
-        </p:nvCxnSpPr>
+        </p:nvSpPr>
         <p:spPr>
           <a:xfrm>
-            <a:off x="7277995" y="3034891"/>
-            <a:ext cx="440474" cy="976559"/>
-          </a:xfrm>
-          <a:prstGeom prst="bentConnector3">
-            <a:avLst>
-              <a:gd name="adj1" fmla="val 50000"/>
-            </a:avLst>
+            <a:off x="7517247" y="3737830"/>
+            <a:ext cx="189257" cy="178683"/>
+          </a:xfrm>
+          <a:prstGeom prst="rect">
+            <a:avLst/>
           </a:prstGeom>
-          <a:ln w="19050">
-            <a:solidFill>
-              <a:srgbClr val="7030A0"/>
-            </a:solidFill>
-            <a:headEnd type="none" w="med" len="med"/>
-            <a:tailEnd type="arrow" w="med" len="med"/>
-          </a:ln>
-          <a:effectLst/>
-        </p:spPr>
-        <p:style>
-          <a:lnRef idx="1">
-            <a:schemeClr val="accent2"/>
-          </a:lnRef>
-          <a:fillRef idx="2">
-            <a:schemeClr val="accent2"/>
-          </a:fillRef>
-          <a:effectRef idx="1">
-            <a:schemeClr val="accent2"/>
-          </a:effectRef>
-          <a:fontRef idx="minor">
-            <a:schemeClr val="dk1"/>
-          </a:fontRef>
-        </p:style>
-      </p:cxnSp>
+          <a:noFill/>
+        </p:spPr>
+        <p:txBody>
+          <a:bodyPr wrap="square" lIns="0" tIns="0" rIns="0" bIns="0" rtlCol="0">
+            <a:noAutofit/>
+          </a:bodyPr>
+          <a:lstStyle/>
+          <a:p>
+            <a:pPr algn="ctr"/>
+            <a:r>
+              <a:rPr lang="en-US" sz="1100" dirty="0">
+                <a:solidFill>
+                  <a:srgbClr val="7030A0"/>
+                </a:solidFill>
+              </a:rPr>
+              <a:t>2</a:t>
+            </a:r>
+            <a:endParaRPr lang="en-SG" sz="1100" dirty="0">
+              <a:solidFill>
+                <a:srgbClr val="7030A0"/>
+              </a:solidFill>
+            </a:endParaRPr>
+          </a:p>
+        </p:txBody>
+      </p:sp>
     </p:spTree>
     <p:extLst>
       <p:ext uri="{BB962C8B-B14F-4D97-AF65-F5344CB8AC3E}">
